--- a/Презентация защиты.pptx
+++ b/Презентация защиты.pptx
@@ -5,7 +5,13 @@
     <p:sldMasterId id="2147483648" r:id="rId1"/>
   </p:sldMasterIdLst>
   <p:sldIdLst>
-    <p:sldId id="256" r:id="rId2"/>
+    <p:sldId id="263" r:id="rId2"/>
+    <p:sldId id="261" r:id="rId3"/>
+    <p:sldId id="259" r:id="rId4"/>
+    <p:sldId id="257" r:id="rId5"/>
+    <p:sldId id="258" r:id="rId6"/>
+    <p:sldId id="260" r:id="rId7"/>
+    <p:sldId id="262" r:id="rId8"/>
   </p:sldIdLst>
   <p:sldSz cx="12192000" cy="6858000"/>
   <p:notesSz cx="6858000" cy="9144000"/>
@@ -104,6 +110,26 @@
       </a:defRPr>
     </a:lvl9pPr>
   </p:defaultTextStyle>
+  <p:extLst>
+    <p:ext uri="{521415D9-36F7-43E2-AB2F-B90AF26B5E84}">
+      <p14:sectionLst xmlns:p14="http://schemas.microsoft.com/office/powerpoint/2010/main">
+        <p14:section name="Раздел по умолчанию" id="{9DC304CC-EE15-43B8-85F6-FE65A9244DD2}">
+          <p14:sldIdLst>
+            <p14:sldId id="263"/>
+            <p14:sldId id="261"/>
+            <p14:sldId id="259"/>
+            <p14:sldId id="257"/>
+            <p14:sldId id="258"/>
+            <p14:sldId id="260"/>
+            <p14:sldId id="262"/>
+          </p14:sldIdLst>
+        </p14:section>
+      </p14:sectionLst>
+    </p:ext>
+    <p:ext uri="{EFAFB233-063F-42B5-8137-9DF3F51BA10A}">
+      <p15:sldGuideLst xmlns:p15="http://schemas.microsoft.com/office/powerpoint/2012/main"/>
+    </p:ext>
+  </p:extLst>
 </p:presentation>
 </file>
 
@@ -238,7 +264,7 @@
           <a:p>
             <a:fld id="{0B9185E4-5EB8-483A-907C-F8316A7069CB}" type="datetimeFigureOut">
               <a:rPr lang="ru-RU" smtClean="0"/>
-              <a:t>14.06.2018</a:t>
+              <a:t>17.06.2018</a:t>
             </a:fld>
             <a:endParaRPr lang="ru-RU"/>
           </a:p>
@@ -408,7 +434,7 @@
           <a:p>
             <a:fld id="{0B9185E4-5EB8-483A-907C-F8316A7069CB}" type="datetimeFigureOut">
               <a:rPr lang="ru-RU" smtClean="0"/>
-              <a:t>14.06.2018</a:t>
+              <a:t>17.06.2018</a:t>
             </a:fld>
             <a:endParaRPr lang="ru-RU"/>
           </a:p>
@@ -588,7 +614,7 @@
           <a:p>
             <a:fld id="{0B9185E4-5EB8-483A-907C-F8316A7069CB}" type="datetimeFigureOut">
               <a:rPr lang="ru-RU" smtClean="0"/>
-              <a:t>14.06.2018</a:t>
+              <a:t>17.06.2018</a:t>
             </a:fld>
             <a:endParaRPr lang="ru-RU"/>
           </a:p>
@@ -758,7 +784,7 @@
           <a:p>
             <a:fld id="{0B9185E4-5EB8-483A-907C-F8316A7069CB}" type="datetimeFigureOut">
               <a:rPr lang="ru-RU" smtClean="0"/>
-              <a:t>14.06.2018</a:t>
+              <a:t>17.06.2018</a:t>
             </a:fld>
             <a:endParaRPr lang="ru-RU"/>
           </a:p>
@@ -1004,7 +1030,7 @@
           <a:p>
             <a:fld id="{0B9185E4-5EB8-483A-907C-F8316A7069CB}" type="datetimeFigureOut">
               <a:rPr lang="ru-RU" smtClean="0"/>
-              <a:t>14.06.2018</a:t>
+              <a:t>17.06.2018</a:t>
             </a:fld>
             <a:endParaRPr lang="ru-RU"/>
           </a:p>
@@ -1236,7 +1262,7 @@
           <a:p>
             <a:fld id="{0B9185E4-5EB8-483A-907C-F8316A7069CB}" type="datetimeFigureOut">
               <a:rPr lang="ru-RU" smtClean="0"/>
-              <a:t>14.06.2018</a:t>
+              <a:t>17.06.2018</a:t>
             </a:fld>
             <a:endParaRPr lang="ru-RU"/>
           </a:p>
@@ -1603,7 +1629,7 @@
           <a:p>
             <a:fld id="{0B9185E4-5EB8-483A-907C-F8316A7069CB}" type="datetimeFigureOut">
               <a:rPr lang="ru-RU" smtClean="0"/>
-              <a:t>14.06.2018</a:t>
+              <a:t>17.06.2018</a:t>
             </a:fld>
             <a:endParaRPr lang="ru-RU"/>
           </a:p>
@@ -1721,7 +1747,7 @@
           <a:p>
             <a:fld id="{0B9185E4-5EB8-483A-907C-F8316A7069CB}" type="datetimeFigureOut">
               <a:rPr lang="ru-RU" smtClean="0"/>
-              <a:t>14.06.2018</a:t>
+              <a:t>17.06.2018</a:t>
             </a:fld>
             <a:endParaRPr lang="ru-RU"/>
           </a:p>
@@ -1816,7 +1842,7 @@
           <a:p>
             <a:fld id="{0B9185E4-5EB8-483A-907C-F8316A7069CB}" type="datetimeFigureOut">
               <a:rPr lang="ru-RU" smtClean="0"/>
-              <a:t>14.06.2018</a:t>
+              <a:t>17.06.2018</a:t>
             </a:fld>
             <a:endParaRPr lang="ru-RU"/>
           </a:p>
@@ -2093,7 +2119,7 @@
           <a:p>
             <a:fld id="{0B9185E4-5EB8-483A-907C-F8316A7069CB}" type="datetimeFigureOut">
               <a:rPr lang="ru-RU" smtClean="0"/>
-              <a:t>14.06.2018</a:t>
+              <a:t>17.06.2018</a:t>
             </a:fld>
             <a:endParaRPr lang="ru-RU"/>
           </a:p>
@@ -2346,7 +2372,7 @@
           <a:p>
             <a:fld id="{0B9185E4-5EB8-483A-907C-F8316A7069CB}" type="datetimeFigureOut">
               <a:rPr lang="ru-RU" smtClean="0"/>
-              <a:t>14.06.2018</a:t>
+              <a:t>17.06.2018</a:t>
             </a:fld>
             <a:endParaRPr lang="ru-RU"/>
           </a:p>
@@ -2559,7 +2585,7 @@
           <a:p>
             <a:fld id="{0B9185E4-5EB8-483A-907C-F8316A7069CB}" type="datetimeFigureOut">
               <a:rPr lang="ru-RU" smtClean="0"/>
-              <a:t>14.06.2018</a:t>
+              <a:t>17.06.2018</a:t>
             </a:fld>
             <a:endParaRPr lang="ru-RU"/>
           </a:p>
@@ -2971,41 +2997,941 @@
             <a:spLocks noGrp="1"/>
           </p:cNvSpPr>
           <p:nvPr>
-            <p:ph type="ctrTitle"/>
-          </p:nvPr>
-        </p:nvSpPr>
-        <p:spPr/>
-        <p:txBody>
-          <a:bodyPr/>
-          <a:lstStyle/>
-          <a:p>
-            <a:endParaRPr lang="ru-RU"/>
-          </a:p>
-        </p:txBody>
-      </p:sp>
-      <p:sp>
-        <p:nvSpPr>
-          <p:cNvPr id="3" name="Подзаголовок 2"/>
-          <p:cNvSpPr>
-            <a:spLocks noGrp="1"/>
-          </p:cNvSpPr>
-          <p:nvPr>
-            <p:ph type="subTitle" idx="1"/>
-          </p:nvPr>
-        </p:nvSpPr>
-        <p:spPr/>
-        <p:txBody>
-          <a:bodyPr/>
-          <a:lstStyle/>
-          <a:p>
-            <a:endParaRPr lang="ru-RU"/>
+            <p:ph type="title"/>
+          </p:nvPr>
+        </p:nvSpPr>
+        <p:spPr>
+          <a:xfrm>
+            <a:off x="838200" y="238898"/>
+            <a:ext cx="10515600" cy="2034746"/>
+          </a:xfrm>
+        </p:spPr>
+        <p:txBody>
+          <a:bodyPr>
+            <a:normAutofit fontScale="90000"/>
+          </a:bodyPr>
+          <a:lstStyle/>
+          <a:p>
+            <a:pPr algn="ctr"/>
+            <a:r>
+              <a:rPr lang="ru-RU" sz="2400" dirty="0">
+                <a:latin typeface="Times New Roman" panose="02020603050405020304" pitchFamily="18" charset="0"/>
+                <a:cs typeface="Times New Roman" panose="02020603050405020304" pitchFamily="18" charset="0"/>
+              </a:rPr>
+              <a:t>Министерство образования Республики Беларусь</a:t>
+            </a:r>
+            <a:br>
+              <a:rPr lang="ru-RU" sz="2400" dirty="0">
+                <a:latin typeface="Times New Roman" panose="02020603050405020304" pitchFamily="18" charset="0"/>
+                <a:cs typeface="Times New Roman" panose="02020603050405020304" pitchFamily="18" charset="0"/>
+              </a:rPr>
+            </a:br>
+            <a:r>
+              <a:rPr lang="ru-RU" sz="2400" dirty="0">
+                <a:latin typeface="Times New Roman" panose="02020603050405020304" pitchFamily="18" charset="0"/>
+                <a:cs typeface="Times New Roman" panose="02020603050405020304" pitchFamily="18" charset="0"/>
+              </a:rPr>
+              <a:t> </a:t>
+            </a:r>
+            <a:br>
+              <a:rPr lang="ru-RU" sz="2400" dirty="0">
+                <a:latin typeface="Times New Roman" panose="02020603050405020304" pitchFamily="18" charset="0"/>
+                <a:cs typeface="Times New Roman" panose="02020603050405020304" pitchFamily="18" charset="0"/>
+              </a:rPr>
+            </a:br>
+            <a:r>
+              <a:rPr lang="ru-RU" sz="2400" dirty="0">
+                <a:latin typeface="Times New Roman" panose="02020603050405020304" pitchFamily="18" charset="0"/>
+                <a:cs typeface="Times New Roman" panose="02020603050405020304" pitchFamily="18" charset="0"/>
+              </a:rPr>
+              <a:t>Учреждение образования</a:t>
+            </a:r>
+            <a:br>
+              <a:rPr lang="ru-RU" sz="2400" dirty="0">
+                <a:latin typeface="Times New Roman" panose="02020603050405020304" pitchFamily="18" charset="0"/>
+                <a:cs typeface="Times New Roman" panose="02020603050405020304" pitchFamily="18" charset="0"/>
+              </a:rPr>
+            </a:br>
+            <a:r>
+              <a:rPr lang="ru-RU" sz="2400" cap="small" dirty="0">
+                <a:latin typeface="Times New Roman" panose="02020603050405020304" pitchFamily="18" charset="0"/>
+                <a:cs typeface="Times New Roman" panose="02020603050405020304" pitchFamily="18" charset="0"/>
+              </a:rPr>
+              <a:t>БЕЛОРУССКИЙ ГОСУДАРСТВЕННЫЙ УНИВЕРСИТЕТ</a:t>
+            </a:r>
+            <a:br>
+              <a:rPr lang="ru-RU" sz="2400" cap="small" dirty="0">
+                <a:latin typeface="Times New Roman" panose="02020603050405020304" pitchFamily="18" charset="0"/>
+                <a:cs typeface="Times New Roman" panose="02020603050405020304" pitchFamily="18" charset="0"/>
+              </a:rPr>
+            </a:br>
+            <a:r>
+              <a:rPr lang="ru-RU" sz="2400" cap="small" dirty="0">
+                <a:latin typeface="Times New Roman" panose="02020603050405020304" pitchFamily="18" charset="0"/>
+                <a:cs typeface="Times New Roman" panose="02020603050405020304" pitchFamily="18" charset="0"/>
+              </a:rPr>
+              <a:t>ИНФОРМАТИКИ И РАДИОЭЛЕКТРОНИКИ</a:t>
+            </a:r>
+            <a:br>
+              <a:rPr lang="ru-RU" sz="2400" cap="small" dirty="0">
+                <a:latin typeface="Times New Roman" panose="02020603050405020304" pitchFamily="18" charset="0"/>
+                <a:cs typeface="Times New Roman" panose="02020603050405020304" pitchFamily="18" charset="0"/>
+              </a:rPr>
+            </a:br>
+            <a:endParaRPr lang="ru-RU" sz="2400" dirty="0">
+              <a:latin typeface="Times New Roman" panose="02020603050405020304" pitchFamily="18" charset="0"/>
+              <a:cs typeface="Times New Roman" panose="02020603050405020304" pitchFamily="18" charset="0"/>
+            </a:endParaRPr>
+          </a:p>
+        </p:txBody>
+      </p:sp>
+      <p:sp>
+        <p:nvSpPr>
+          <p:cNvPr id="3" name="Объект 2"/>
+          <p:cNvSpPr>
+            <a:spLocks noGrp="1"/>
+          </p:cNvSpPr>
+          <p:nvPr>
+            <p:ph idx="1"/>
+          </p:nvPr>
+        </p:nvSpPr>
+        <p:spPr>
+          <a:xfrm>
+            <a:off x="838200" y="2899718"/>
+            <a:ext cx="10515600" cy="2125364"/>
+          </a:xfrm>
+        </p:spPr>
+        <p:txBody>
+          <a:bodyPr/>
+          <a:lstStyle/>
+          <a:p>
+            <a:pPr marL="0" indent="0" algn="ctr">
+              <a:buNone/>
+            </a:pPr>
+            <a:r>
+              <a:rPr lang="ru-RU" b="1" cap="small" dirty="0"/>
+              <a:t>Библиотека для межсетевого связывания микросервисов для платформы .Net core</a:t>
+            </a:r>
+            <a:endParaRPr lang="ru-RU" dirty="0"/>
+          </a:p>
+          <a:p>
+            <a:pPr marL="0" indent="0" algn="ctr">
+              <a:buNone/>
+            </a:pPr>
+            <a:endParaRPr lang="en-US" dirty="0" smtClean="0"/>
+          </a:p>
+          <a:p>
+            <a:pPr marL="0" indent="0" algn="ctr">
+              <a:buNone/>
+            </a:pPr>
+            <a:r>
+              <a:rPr lang="ru-RU" dirty="0" smtClean="0">
+                <a:latin typeface="Times New Roman" panose="02020603050405020304" pitchFamily="18" charset="0"/>
+                <a:cs typeface="Times New Roman" panose="02020603050405020304" pitchFamily="18" charset="0"/>
+              </a:rPr>
+              <a:t>Дерид Артем Александрович</a:t>
+            </a:r>
+            <a:endParaRPr lang="en-US" dirty="0" smtClean="0">
+              <a:latin typeface="Times New Roman" panose="02020603050405020304" pitchFamily="18" charset="0"/>
+              <a:cs typeface="Times New Roman" panose="02020603050405020304" pitchFamily="18" charset="0"/>
+            </a:endParaRPr>
+          </a:p>
+          <a:p>
+            <a:pPr marL="0" indent="0" algn="ctr">
+              <a:buNone/>
+            </a:pPr>
+            <a:endParaRPr lang="ru-RU" dirty="0"/>
           </a:p>
         </p:txBody>
       </p:sp>
     </p:spTree>
     <p:extLst>
       <p:ext uri="{BB962C8B-B14F-4D97-AF65-F5344CB8AC3E}">
-        <p14:creationId xmlns:p14="http://schemas.microsoft.com/office/powerpoint/2010/main" val="2890627391"/>
+        <p14:creationId xmlns:p14="http://schemas.microsoft.com/office/powerpoint/2010/main" val="1557404720"/>
+      </p:ext>
+    </p:extLst>
+  </p:cSld>
+  <p:clrMapOvr>
+    <a:masterClrMapping/>
+  </p:clrMapOvr>
+</p:sld>
+</file>
+
+<file path=ppt/slides/slide2.xml><?xml version="1.0" encoding="utf-8"?>
+<p:sld xmlns:a="http://schemas.openxmlformats.org/drawingml/2006/main" xmlns:r="http://schemas.openxmlformats.org/officeDocument/2006/relationships" xmlns:p="http://schemas.openxmlformats.org/presentationml/2006/main">
+  <p:cSld>
+    <p:spTree>
+      <p:nvGrpSpPr>
+        <p:cNvPr id="1" name=""/>
+        <p:cNvGrpSpPr/>
+        <p:nvPr/>
+      </p:nvGrpSpPr>
+      <p:grpSpPr>
+        <a:xfrm>
+          <a:off x="0" y="0"/>
+          <a:ext cx="0" cy="0"/>
+          <a:chOff x="0" y="0"/>
+          <a:chExt cx="0" cy="0"/>
+        </a:xfrm>
+      </p:grpSpPr>
+      <p:graphicFrame>
+        <p:nvGraphicFramePr>
+          <p:cNvPr id="4" name="Объект 3"/>
+          <p:cNvGraphicFramePr>
+            <a:graphicFrameLocks noChangeAspect="1"/>
+          </p:cNvGraphicFramePr>
+          <p:nvPr>
+            <p:extLst>
+              <p:ext uri="{D42A27DB-BD31-4B8C-83A1-F6EECF244321}">
+                <p14:modId xmlns:p14="http://schemas.microsoft.com/office/powerpoint/2010/main" val="3189093487"/>
+              </p:ext>
+            </p:extLst>
+          </p:nvPr>
+        </p:nvGraphicFramePr>
+        <p:xfrm>
+          <a:off x="207404" y="125027"/>
+          <a:ext cx="8768381" cy="6193395"/>
+        </p:xfrm>
+        <a:graphic>
+          <a:graphicData uri="http://schemas.openxmlformats.org/presentationml/2006/ole">
+            <mc:AlternateContent xmlns:mc="http://schemas.openxmlformats.org/markup-compatibility/2006">
+              <mc:Choice xmlns:v="urn:schemas-microsoft-com:vml" Requires="v">
+                <p:oleObj spid="_x0000_s5139" name="Acrobat Document" r:id="rId3" imgW="22707423" imgH="16039766" progId="AcroExch.Document.DC">
+                  <p:embed/>
+                </p:oleObj>
+              </mc:Choice>
+              <mc:Fallback>
+                <p:oleObj name="Acrobat Document" r:id="rId3" imgW="22707423" imgH="16039766" progId="AcroExch.Document.DC">
+                  <p:embed/>
+                  <p:pic>
+                    <p:nvPicPr>
+                      <p:cNvPr id="0" name=""/>
+                      <p:cNvPicPr/>
+                      <p:nvPr/>
+                    </p:nvPicPr>
+                    <p:blipFill>
+                      <a:blip r:embed="rId4"/>
+                      <a:stretch>
+                        <a:fillRect/>
+                      </a:stretch>
+                    </p:blipFill>
+                    <p:spPr>
+                      <a:xfrm>
+                        <a:off x="207404" y="125027"/>
+                        <a:ext cx="8768381" cy="6193395"/>
+                      </a:xfrm>
+                      <a:prstGeom prst="rect">
+                        <a:avLst/>
+                      </a:prstGeom>
+                    </p:spPr>
+                  </p:pic>
+                </p:oleObj>
+              </mc:Fallback>
+            </mc:AlternateContent>
+          </a:graphicData>
+        </a:graphic>
+      </p:graphicFrame>
+      <p:graphicFrame>
+        <p:nvGraphicFramePr>
+          <p:cNvPr id="5" name="Объект 4"/>
+          <p:cNvGraphicFramePr>
+            <a:graphicFrameLocks noChangeAspect="1"/>
+          </p:cNvGraphicFramePr>
+          <p:nvPr>
+            <p:extLst>
+              <p:ext uri="{D42A27DB-BD31-4B8C-83A1-F6EECF244321}">
+                <p14:modId xmlns:p14="http://schemas.microsoft.com/office/powerpoint/2010/main" val="1301834659"/>
+              </p:ext>
+            </p:extLst>
+          </p:nvPr>
+        </p:nvGraphicFramePr>
+        <p:xfrm>
+          <a:off x="8939512" y="5258885"/>
+          <a:ext cx="3252488" cy="1137796"/>
+        </p:xfrm>
+        <a:graphic>
+          <a:graphicData uri="http://schemas.openxmlformats.org/presentationml/2006/ole">
+            <mc:AlternateContent xmlns:mc="http://schemas.openxmlformats.org/markup-compatibility/2006">
+              <mc:Choice xmlns:v="urn:schemas-microsoft-com:vml" Requires="v">
+                <p:oleObj spid="_x0000_s5140" name="Acrobat Document" r:id="rId5" imgW="5390707" imgH="1885596" progId="AcroExch.Document.DC">
+                  <p:embed/>
+                </p:oleObj>
+              </mc:Choice>
+              <mc:Fallback>
+                <p:oleObj name="Acrobat Document" r:id="rId5" imgW="5390707" imgH="1885596" progId="AcroExch.Document.DC">
+                  <p:embed/>
+                  <p:pic>
+                    <p:nvPicPr>
+                      <p:cNvPr id="0" name=""/>
+                      <p:cNvPicPr/>
+                      <p:nvPr/>
+                    </p:nvPicPr>
+                    <p:blipFill>
+                      <a:blip r:embed="rId6"/>
+                      <a:stretch>
+                        <a:fillRect/>
+                      </a:stretch>
+                    </p:blipFill>
+                    <p:spPr>
+                      <a:xfrm>
+                        <a:off x="8939512" y="5258885"/>
+                        <a:ext cx="3252488" cy="1137796"/>
+                      </a:xfrm>
+                      <a:prstGeom prst="rect">
+                        <a:avLst/>
+                      </a:prstGeom>
+                    </p:spPr>
+                  </p:pic>
+                </p:oleObj>
+              </mc:Fallback>
+            </mc:AlternateContent>
+          </a:graphicData>
+        </a:graphic>
+      </p:graphicFrame>
+    </p:spTree>
+    <p:extLst>
+      <p:ext uri="{BB962C8B-B14F-4D97-AF65-F5344CB8AC3E}">
+        <p14:creationId xmlns:p14="http://schemas.microsoft.com/office/powerpoint/2010/main" val="441320754"/>
+      </p:ext>
+    </p:extLst>
+  </p:cSld>
+  <p:clrMapOvr>
+    <a:masterClrMapping/>
+  </p:clrMapOvr>
+</p:sld>
+</file>
+
+<file path=ppt/slides/slide3.xml><?xml version="1.0" encoding="utf-8"?>
+<p:sld xmlns:a="http://schemas.openxmlformats.org/drawingml/2006/main" xmlns:r="http://schemas.openxmlformats.org/officeDocument/2006/relationships" xmlns:p="http://schemas.openxmlformats.org/presentationml/2006/main">
+  <p:cSld>
+    <p:spTree>
+      <p:nvGrpSpPr>
+        <p:cNvPr id="1" name=""/>
+        <p:cNvGrpSpPr/>
+        <p:nvPr/>
+      </p:nvGrpSpPr>
+      <p:grpSpPr>
+        <a:xfrm>
+          <a:off x="0" y="0"/>
+          <a:ext cx="0" cy="0"/>
+          <a:chOff x="0" y="0"/>
+          <a:chExt cx="0" cy="0"/>
+        </a:xfrm>
+      </p:grpSpPr>
+      <p:graphicFrame>
+        <p:nvGraphicFramePr>
+          <p:cNvPr id="4" name="Объект 3"/>
+          <p:cNvGraphicFramePr>
+            <a:graphicFrameLocks noChangeAspect="1"/>
+          </p:cNvGraphicFramePr>
+          <p:nvPr>
+            <p:extLst>
+              <p:ext uri="{D42A27DB-BD31-4B8C-83A1-F6EECF244321}">
+                <p14:modId xmlns:p14="http://schemas.microsoft.com/office/powerpoint/2010/main" val="1248253313"/>
+              </p:ext>
+            </p:extLst>
+          </p:nvPr>
+        </p:nvGraphicFramePr>
+        <p:xfrm>
+          <a:off x="5547508" y="165557"/>
+          <a:ext cx="4602537" cy="6515329"/>
+        </p:xfrm>
+        <a:graphic>
+          <a:graphicData uri="http://schemas.openxmlformats.org/presentationml/2006/ole">
+            <mc:AlternateContent xmlns:mc="http://schemas.openxmlformats.org/markup-compatibility/2006">
+              <mc:Choice xmlns:v="urn:schemas-microsoft-com:vml" Requires="v">
+                <p:oleObj spid="_x0000_s3082" name="Acrobat Document" r:id="rId3" imgW="16039746" imgH="22707227" progId="AcroExch.Document.DC">
+                  <p:embed/>
+                </p:oleObj>
+              </mc:Choice>
+              <mc:Fallback>
+                <p:oleObj name="Acrobat Document" r:id="rId3" imgW="16039746" imgH="22707227" progId="AcroExch.Document.DC">
+                  <p:embed/>
+                  <p:pic>
+                    <p:nvPicPr>
+                      <p:cNvPr id="0" name=""/>
+                      <p:cNvPicPr/>
+                      <p:nvPr/>
+                    </p:nvPicPr>
+                    <p:blipFill>
+                      <a:blip r:embed="rId4"/>
+                      <a:stretch>
+                        <a:fillRect/>
+                      </a:stretch>
+                    </p:blipFill>
+                    <p:spPr>
+                      <a:xfrm>
+                        <a:off x="5547508" y="165557"/>
+                        <a:ext cx="4602537" cy="6515329"/>
+                      </a:xfrm>
+                      <a:prstGeom prst="rect">
+                        <a:avLst/>
+                      </a:prstGeom>
+                    </p:spPr>
+                  </p:pic>
+                </p:oleObj>
+              </mc:Fallback>
+            </mc:AlternateContent>
+          </a:graphicData>
+        </a:graphic>
+      </p:graphicFrame>
+      <p:sp>
+        <p:nvSpPr>
+          <p:cNvPr id="5" name="TextBox 4"/>
+          <p:cNvSpPr txBox="1"/>
+          <p:nvPr/>
+        </p:nvSpPr>
+        <p:spPr>
+          <a:xfrm>
+            <a:off x="1323460" y="3238556"/>
+            <a:ext cx="3806748" cy="369332"/>
+          </a:xfrm>
+          <a:prstGeom prst="rect">
+            <a:avLst/>
+          </a:prstGeom>
+          <a:noFill/>
+        </p:spPr>
+        <p:txBody>
+          <a:bodyPr wrap="none" rtlCol="0">
+            <a:spAutoFit/>
+          </a:bodyPr>
+          <a:lstStyle/>
+          <a:p>
+            <a:r>
+              <a:rPr lang="ru-RU" dirty="0" smtClean="0"/>
+              <a:t>Алгоритм работы анализатора типов</a:t>
+            </a:r>
+            <a:endParaRPr lang="ru-RU" dirty="0"/>
+          </a:p>
+        </p:txBody>
+      </p:sp>
+    </p:spTree>
+    <p:extLst>
+      <p:ext uri="{BB962C8B-B14F-4D97-AF65-F5344CB8AC3E}">
+        <p14:creationId xmlns:p14="http://schemas.microsoft.com/office/powerpoint/2010/main" val="316854339"/>
+      </p:ext>
+    </p:extLst>
+  </p:cSld>
+  <p:clrMapOvr>
+    <a:masterClrMapping/>
+  </p:clrMapOvr>
+</p:sld>
+</file>
+
+<file path=ppt/slides/slide4.xml><?xml version="1.0" encoding="utf-8"?>
+<p:sld xmlns:a="http://schemas.openxmlformats.org/drawingml/2006/main" xmlns:r="http://schemas.openxmlformats.org/officeDocument/2006/relationships" xmlns:p="http://schemas.openxmlformats.org/presentationml/2006/main">
+  <p:cSld>
+    <p:spTree>
+      <p:nvGrpSpPr>
+        <p:cNvPr id="1" name=""/>
+        <p:cNvGrpSpPr/>
+        <p:nvPr/>
+      </p:nvGrpSpPr>
+      <p:grpSpPr>
+        <a:xfrm>
+          <a:off x="0" y="0"/>
+          <a:ext cx="0" cy="0"/>
+          <a:chOff x="0" y="0"/>
+          <a:chExt cx="0" cy="0"/>
+        </a:xfrm>
+      </p:grpSpPr>
+      <p:graphicFrame>
+        <p:nvGraphicFramePr>
+          <p:cNvPr id="6" name="Объект 5"/>
+          <p:cNvGraphicFramePr>
+            <a:graphicFrameLocks noGrp="1" noChangeAspect="1"/>
+          </p:cNvGraphicFramePr>
+          <p:nvPr>
+            <p:ph idx="1"/>
+            <p:extLst>
+              <p:ext uri="{D42A27DB-BD31-4B8C-83A1-F6EECF244321}">
+                <p14:modId xmlns:p14="http://schemas.microsoft.com/office/powerpoint/2010/main" val="1625587608"/>
+              </p:ext>
+            </p:extLst>
+          </p:nvPr>
+        </p:nvGraphicFramePr>
+        <p:xfrm>
+          <a:off x="4024439" y="438448"/>
+          <a:ext cx="4613191" cy="6419552"/>
+        </p:xfrm>
+        <a:graphic>
+          <a:graphicData uri="http://schemas.openxmlformats.org/presentationml/2006/ole">
+            <mc:AlternateContent xmlns:mc="http://schemas.openxmlformats.org/markup-compatibility/2006">
+              <mc:Choice xmlns:v="urn:schemas-microsoft-com:vml" Requires="v">
+                <p:oleObj spid="_x0000_s1035" name="Acrobat Document" r:id="rId3" imgW="16039746" imgH="22707227" progId="AcroExch.Document.DC">
+                  <p:embed/>
+                </p:oleObj>
+              </mc:Choice>
+              <mc:Fallback>
+                <p:oleObj name="Acrobat Document" r:id="rId3" imgW="16039746" imgH="22707227" progId="AcroExch.Document.DC">
+                  <p:embed/>
+                  <p:pic>
+                    <p:nvPicPr>
+                      <p:cNvPr id="0" name=""/>
+                      <p:cNvPicPr/>
+                      <p:nvPr/>
+                    </p:nvPicPr>
+                    <p:blipFill>
+                      <a:blip r:embed="rId4"/>
+                      <a:stretch>
+                        <a:fillRect/>
+                      </a:stretch>
+                    </p:blipFill>
+                    <p:spPr>
+                      <a:xfrm>
+                        <a:off x="4024439" y="438448"/>
+                        <a:ext cx="4613191" cy="6419552"/>
+                      </a:xfrm>
+                      <a:prstGeom prst="rect">
+                        <a:avLst/>
+                      </a:prstGeom>
+                    </p:spPr>
+                  </p:pic>
+                </p:oleObj>
+              </mc:Fallback>
+            </mc:AlternateContent>
+          </a:graphicData>
+        </a:graphic>
+      </p:graphicFrame>
+      <p:sp>
+        <p:nvSpPr>
+          <p:cNvPr id="7" name="TextBox 6"/>
+          <p:cNvSpPr txBox="1"/>
+          <p:nvPr/>
+        </p:nvSpPr>
+        <p:spPr>
+          <a:xfrm>
+            <a:off x="2974474" y="69116"/>
+            <a:ext cx="6713120" cy="369332"/>
+          </a:xfrm>
+          <a:prstGeom prst="rect">
+            <a:avLst/>
+          </a:prstGeom>
+          <a:noFill/>
+        </p:spPr>
+        <p:txBody>
+          <a:bodyPr wrap="none" rtlCol="0">
+            <a:spAutoFit/>
+          </a:bodyPr>
+          <a:lstStyle/>
+          <a:p>
+            <a:r>
+              <a:rPr lang="ru-RU" dirty="0" smtClean="0"/>
+              <a:t>Алгоритм подключения внутренний и внешней части приложения</a:t>
+            </a:r>
+            <a:endParaRPr lang="ru-RU" dirty="0"/>
+          </a:p>
+        </p:txBody>
+      </p:sp>
+    </p:spTree>
+    <p:extLst>
+      <p:ext uri="{BB962C8B-B14F-4D97-AF65-F5344CB8AC3E}">
+        <p14:creationId xmlns:p14="http://schemas.microsoft.com/office/powerpoint/2010/main" val="4190328291"/>
+      </p:ext>
+    </p:extLst>
+  </p:cSld>
+  <p:clrMapOvr>
+    <a:masterClrMapping/>
+  </p:clrMapOvr>
+</p:sld>
+</file>
+
+<file path=ppt/slides/slide5.xml><?xml version="1.0" encoding="utf-8"?>
+<p:sld xmlns:a="http://schemas.openxmlformats.org/drawingml/2006/main" xmlns:r="http://schemas.openxmlformats.org/officeDocument/2006/relationships" xmlns:p="http://schemas.openxmlformats.org/presentationml/2006/main">
+  <p:cSld>
+    <p:spTree>
+      <p:nvGrpSpPr>
+        <p:cNvPr id="1" name=""/>
+        <p:cNvGrpSpPr/>
+        <p:nvPr/>
+      </p:nvGrpSpPr>
+      <p:grpSpPr>
+        <a:xfrm>
+          <a:off x="0" y="0"/>
+          <a:ext cx="0" cy="0"/>
+          <a:chOff x="0" y="0"/>
+          <a:chExt cx="0" cy="0"/>
+        </a:xfrm>
+      </p:grpSpPr>
+      <p:graphicFrame>
+        <p:nvGraphicFramePr>
+          <p:cNvPr id="4" name="Объект 3"/>
+          <p:cNvGraphicFramePr>
+            <a:graphicFrameLocks noChangeAspect="1"/>
+          </p:cNvGraphicFramePr>
+          <p:nvPr>
+            <p:extLst>
+              <p:ext uri="{D42A27DB-BD31-4B8C-83A1-F6EECF244321}">
+                <p14:modId xmlns:p14="http://schemas.microsoft.com/office/powerpoint/2010/main" val="3327890210"/>
+              </p:ext>
+            </p:extLst>
+          </p:nvPr>
+        </p:nvGraphicFramePr>
+        <p:xfrm>
+          <a:off x="1749379" y="486572"/>
+          <a:ext cx="9020433" cy="6371428"/>
+        </p:xfrm>
+        <a:graphic>
+          <a:graphicData uri="http://schemas.openxmlformats.org/presentationml/2006/ole">
+            <mc:AlternateContent xmlns:mc="http://schemas.openxmlformats.org/markup-compatibility/2006">
+              <mc:Choice xmlns:v="urn:schemas-microsoft-com:vml" Requires="v">
+                <p:oleObj spid="_x0000_s2059" name="Acrobat Document" r:id="rId3" imgW="22707423" imgH="16039766" progId="AcroExch.Document.DC">
+                  <p:embed/>
+                </p:oleObj>
+              </mc:Choice>
+              <mc:Fallback>
+                <p:oleObj name="Acrobat Document" r:id="rId3" imgW="22707423" imgH="16039766" progId="AcroExch.Document.DC">
+                  <p:embed/>
+                  <p:pic>
+                    <p:nvPicPr>
+                      <p:cNvPr id="0" name=""/>
+                      <p:cNvPicPr/>
+                      <p:nvPr/>
+                    </p:nvPicPr>
+                    <p:blipFill>
+                      <a:blip r:embed="rId4"/>
+                      <a:stretch>
+                        <a:fillRect/>
+                      </a:stretch>
+                    </p:blipFill>
+                    <p:spPr>
+                      <a:xfrm>
+                        <a:off x="1749379" y="486572"/>
+                        <a:ext cx="9020433" cy="6371428"/>
+                      </a:xfrm>
+                      <a:prstGeom prst="rect">
+                        <a:avLst/>
+                      </a:prstGeom>
+                    </p:spPr>
+                  </p:pic>
+                </p:oleObj>
+              </mc:Fallback>
+            </mc:AlternateContent>
+          </a:graphicData>
+        </a:graphic>
+      </p:graphicFrame>
+      <p:sp>
+        <p:nvSpPr>
+          <p:cNvPr id="5" name="TextBox 4"/>
+          <p:cNvSpPr txBox="1"/>
+          <p:nvPr/>
+        </p:nvSpPr>
+        <p:spPr>
+          <a:xfrm>
+            <a:off x="3964255" y="193440"/>
+            <a:ext cx="4590680" cy="369332"/>
+          </a:xfrm>
+          <a:prstGeom prst="rect">
+            <a:avLst/>
+          </a:prstGeom>
+          <a:noFill/>
+        </p:spPr>
+        <p:txBody>
+          <a:bodyPr wrap="none" rtlCol="0">
+            <a:spAutoFit/>
+          </a:bodyPr>
+          <a:lstStyle/>
+          <a:p>
+            <a:r>
+              <a:rPr lang="ru-RU" dirty="0" smtClean="0"/>
+              <a:t>Алгоритм отправки и получения сообщений</a:t>
+            </a:r>
+            <a:endParaRPr lang="ru-RU" dirty="0"/>
+          </a:p>
+        </p:txBody>
+      </p:sp>
+    </p:spTree>
+    <p:extLst>
+      <p:ext uri="{BB962C8B-B14F-4D97-AF65-F5344CB8AC3E}">
+        <p14:creationId xmlns:p14="http://schemas.microsoft.com/office/powerpoint/2010/main" val="2344322014"/>
+      </p:ext>
+    </p:extLst>
+  </p:cSld>
+  <p:clrMapOvr>
+    <a:masterClrMapping/>
+  </p:clrMapOvr>
+</p:sld>
+</file>
+
+<file path=ppt/slides/slide6.xml><?xml version="1.0" encoding="utf-8"?>
+<p:sld xmlns:a="http://schemas.openxmlformats.org/drawingml/2006/main" xmlns:r="http://schemas.openxmlformats.org/officeDocument/2006/relationships" xmlns:p="http://schemas.openxmlformats.org/presentationml/2006/main">
+  <p:cSld>
+    <p:spTree>
+      <p:nvGrpSpPr>
+        <p:cNvPr id="1" name=""/>
+        <p:cNvGrpSpPr/>
+        <p:nvPr/>
+      </p:nvGrpSpPr>
+      <p:grpSpPr>
+        <a:xfrm>
+          <a:off x="0" y="0"/>
+          <a:ext cx="0" cy="0"/>
+          <a:chOff x="0" y="0"/>
+          <a:chExt cx="0" cy="0"/>
+        </a:xfrm>
+      </p:grpSpPr>
+      <p:graphicFrame>
+        <p:nvGraphicFramePr>
+          <p:cNvPr id="4" name="Объект 3"/>
+          <p:cNvGraphicFramePr>
+            <a:graphicFrameLocks noChangeAspect="1"/>
+          </p:cNvGraphicFramePr>
+          <p:nvPr>
+            <p:extLst>
+              <p:ext uri="{D42A27DB-BD31-4B8C-83A1-F6EECF244321}">
+                <p14:modId xmlns:p14="http://schemas.microsoft.com/office/powerpoint/2010/main" val="235855689"/>
+              </p:ext>
+            </p:extLst>
+          </p:nvPr>
+        </p:nvGraphicFramePr>
+        <p:xfrm>
+          <a:off x="166214" y="148103"/>
+          <a:ext cx="8839202" cy="6243419"/>
+        </p:xfrm>
+        <a:graphic>
+          <a:graphicData uri="http://schemas.openxmlformats.org/presentationml/2006/ole">
+            <mc:AlternateContent xmlns:mc="http://schemas.openxmlformats.org/markup-compatibility/2006">
+              <mc:Choice xmlns:v="urn:schemas-microsoft-com:vml" Requires="v">
+                <p:oleObj spid="_x0000_s4114" name="Acrobat Document" r:id="rId3" imgW="22707423" imgH="16039766" progId="AcroExch.Document.DC">
+                  <p:embed/>
+                </p:oleObj>
+              </mc:Choice>
+              <mc:Fallback>
+                <p:oleObj name="Acrobat Document" r:id="rId3" imgW="22707423" imgH="16039766" progId="AcroExch.Document.DC">
+                  <p:embed/>
+                  <p:pic>
+                    <p:nvPicPr>
+                      <p:cNvPr id="0" name=""/>
+                      <p:cNvPicPr/>
+                      <p:nvPr/>
+                    </p:nvPicPr>
+                    <p:blipFill>
+                      <a:blip r:embed="rId4"/>
+                      <a:stretch>
+                        <a:fillRect/>
+                      </a:stretch>
+                    </p:blipFill>
+                    <p:spPr>
+                      <a:xfrm>
+                        <a:off x="166214" y="148103"/>
+                        <a:ext cx="8839202" cy="6243419"/>
+                      </a:xfrm>
+                      <a:prstGeom prst="rect">
+                        <a:avLst/>
+                      </a:prstGeom>
+                    </p:spPr>
+                  </p:pic>
+                </p:oleObj>
+              </mc:Fallback>
+            </mc:AlternateContent>
+          </a:graphicData>
+        </a:graphic>
+      </p:graphicFrame>
+      <p:graphicFrame>
+        <p:nvGraphicFramePr>
+          <p:cNvPr id="5" name="Объект 4"/>
+          <p:cNvGraphicFramePr>
+            <a:graphicFrameLocks noChangeAspect="1"/>
+          </p:cNvGraphicFramePr>
+          <p:nvPr>
+            <p:extLst>
+              <p:ext uri="{D42A27DB-BD31-4B8C-83A1-F6EECF244321}">
+                <p14:modId xmlns:p14="http://schemas.microsoft.com/office/powerpoint/2010/main" val="1883224413"/>
+              </p:ext>
+            </p:extLst>
+          </p:nvPr>
+        </p:nvGraphicFramePr>
+        <p:xfrm>
+          <a:off x="9005416" y="5277357"/>
+          <a:ext cx="3186584" cy="1245016"/>
+        </p:xfrm>
+        <a:graphic>
+          <a:graphicData uri="http://schemas.openxmlformats.org/presentationml/2006/ole">
+            <mc:AlternateContent xmlns:mc="http://schemas.openxmlformats.org/markup-compatibility/2006">
+              <mc:Choice xmlns:v="urn:schemas-microsoft-com:vml" Requires="v">
+                <p:oleObj spid="_x0000_s4115" name="Acrobat Document" r:id="rId5" imgW="5533715" imgH="2161861" progId="AcroExch.Document.DC">
+                  <p:embed/>
+                </p:oleObj>
+              </mc:Choice>
+              <mc:Fallback>
+                <p:oleObj name="Acrobat Document" r:id="rId5" imgW="5533715" imgH="2161861" progId="AcroExch.Document.DC">
+                  <p:embed/>
+                  <p:pic>
+                    <p:nvPicPr>
+                      <p:cNvPr id="0" name=""/>
+                      <p:cNvPicPr/>
+                      <p:nvPr/>
+                    </p:nvPicPr>
+                    <p:blipFill>
+                      <a:blip r:embed="rId6"/>
+                      <a:stretch>
+                        <a:fillRect/>
+                      </a:stretch>
+                    </p:blipFill>
+                    <p:spPr>
+                      <a:xfrm>
+                        <a:off x="9005416" y="5277357"/>
+                        <a:ext cx="3186584" cy="1245016"/>
+                      </a:xfrm>
+                      <a:prstGeom prst="rect">
+                        <a:avLst/>
+                      </a:prstGeom>
+                    </p:spPr>
+                  </p:pic>
+                </p:oleObj>
+              </mc:Fallback>
+            </mc:AlternateContent>
+          </a:graphicData>
+        </a:graphic>
+      </p:graphicFrame>
+    </p:spTree>
+    <p:extLst>
+      <p:ext uri="{BB962C8B-B14F-4D97-AF65-F5344CB8AC3E}">
+        <p14:creationId xmlns:p14="http://schemas.microsoft.com/office/powerpoint/2010/main" val="684868250"/>
+      </p:ext>
+    </p:extLst>
+  </p:cSld>
+  <p:clrMapOvr>
+    <a:masterClrMapping/>
+  </p:clrMapOvr>
+</p:sld>
+</file>
+
+<file path=ppt/slides/slide7.xml><?xml version="1.0" encoding="utf-8"?>
+<p:sld xmlns:a="http://schemas.openxmlformats.org/drawingml/2006/main" xmlns:r="http://schemas.openxmlformats.org/officeDocument/2006/relationships" xmlns:p="http://schemas.openxmlformats.org/presentationml/2006/main">
+  <p:cSld>
+    <p:spTree>
+      <p:nvGrpSpPr>
+        <p:cNvPr id="1" name=""/>
+        <p:cNvGrpSpPr/>
+        <p:nvPr/>
+      </p:nvGrpSpPr>
+      <p:grpSpPr>
+        <a:xfrm>
+          <a:off x="0" y="0"/>
+          <a:ext cx="0" cy="0"/>
+          <a:chOff x="0" y="0"/>
+          <a:chExt cx="0" cy="0"/>
+        </a:xfrm>
+      </p:grpSpPr>
+      <p:graphicFrame>
+        <p:nvGraphicFramePr>
+          <p:cNvPr id="4" name="Объект 3"/>
+          <p:cNvGraphicFramePr>
+            <a:graphicFrameLocks noChangeAspect="1"/>
+          </p:cNvGraphicFramePr>
+          <p:nvPr>
+            <p:extLst>
+              <p:ext uri="{D42A27DB-BD31-4B8C-83A1-F6EECF244321}">
+                <p14:modId xmlns:p14="http://schemas.microsoft.com/office/powerpoint/2010/main" val="2687339649"/>
+              </p:ext>
+            </p:extLst>
+          </p:nvPr>
+        </p:nvGraphicFramePr>
+        <p:xfrm>
+          <a:off x="314496" y="240356"/>
+          <a:ext cx="8780077" cy="6201657"/>
+        </p:xfrm>
+        <a:graphic>
+          <a:graphicData uri="http://schemas.openxmlformats.org/presentationml/2006/ole">
+            <mc:AlternateContent xmlns:mc="http://schemas.openxmlformats.org/markup-compatibility/2006">
+              <mc:Choice xmlns:v="urn:schemas-microsoft-com:vml" Requires="v">
+                <p:oleObj spid="_x0000_s6163" name="Acrobat Document" r:id="rId3" imgW="22707423" imgH="16039766" progId="AcroExch.Document.DC">
+                  <p:embed/>
+                </p:oleObj>
+              </mc:Choice>
+              <mc:Fallback>
+                <p:oleObj name="Acrobat Document" r:id="rId3" imgW="22707423" imgH="16039766" progId="AcroExch.Document.DC">
+                  <p:embed/>
+                  <p:pic>
+                    <p:nvPicPr>
+                      <p:cNvPr id="0" name=""/>
+                      <p:cNvPicPr/>
+                      <p:nvPr/>
+                    </p:nvPicPr>
+                    <p:blipFill>
+                      <a:blip r:embed="rId4"/>
+                      <a:stretch>
+                        <a:fillRect/>
+                      </a:stretch>
+                    </p:blipFill>
+                    <p:spPr>
+                      <a:xfrm>
+                        <a:off x="314496" y="240356"/>
+                        <a:ext cx="8780077" cy="6201657"/>
+                      </a:xfrm>
+                      <a:prstGeom prst="rect">
+                        <a:avLst/>
+                      </a:prstGeom>
+                    </p:spPr>
+                  </p:pic>
+                </p:oleObj>
+              </mc:Fallback>
+            </mc:AlternateContent>
+          </a:graphicData>
+        </a:graphic>
+      </p:graphicFrame>
+      <p:graphicFrame>
+        <p:nvGraphicFramePr>
+          <p:cNvPr id="5" name="Объект 4"/>
+          <p:cNvGraphicFramePr>
+            <a:graphicFrameLocks noChangeAspect="1"/>
+          </p:cNvGraphicFramePr>
+          <p:nvPr>
+            <p:extLst>
+              <p:ext uri="{D42A27DB-BD31-4B8C-83A1-F6EECF244321}">
+                <p14:modId xmlns:p14="http://schemas.microsoft.com/office/powerpoint/2010/main" val="1814308279"/>
+              </p:ext>
+            </p:extLst>
+          </p:nvPr>
+        </p:nvGraphicFramePr>
+        <p:xfrm>
+          <a:off x="8997177" y="5156335"/>
+          <a:ext cx="3194823" cy="1087843"/>
+        </p:xfrm>
+        <a:graphic>
+          <a:graphicData uri="http://schemas.openxmlformats.org/presentationml/2006/ole">
+            <mc:AlternateContent xmlns:mc="http://schemas.openxmlformats.org/markup-compatibility/2006">
+              <mc:Choice xmlns:v="urn:schemas-microsoft-com:vml" Requires="v">
+                <p:oleObj spid="_x0000_s6164" name="Acrobat Document" r:id="rId5" imgW="5314684" imgH="1809239" progId="AcroExch.Document.DC">
+                  <p:embed/>
+                </p:oleObj>
+              </mc:Choice>
+              <mc:Fallback>
+                <p:oleObj name="Acrobat Document" r:id="rId5" imgW="5314684" imgH="1809239" progId="AcroExch.Document.DC">
+                  <p:embed/>
+                  <p:pic>
+                    <p:nvPicPr>
+                      <p:cNvPr id="0" name=""/>
+                      <p:cNvPicPr/>
+                      <p:nvPr/>
+                    </p:nvPicPr>
+                    <p:blipFill>
+                      <a:blip r:embed="rId6"/>
+                      <a:stretch>
+                        <a:fillRect/>
+                      </a:stretch>
+                    </p:blipFill>
+                    <p:spPr>
+                      <a:xfrm>
+                        <a:off x="8997177" y="5156335"/>
+                        <a:ext cx="3194823" cy="1087843"/>
+                      </a:xfrm>
+                      <a:prstGeom prst="rect">
+                        <a:avLst/>
+                      </a:prstGeom>
+                    </p:spPr>
+                  </p:pic>
+                </p:oleObj>
+              </mc:Fallback>
+            </mc:AlternateContent>
+          </a:graphicData>
+        </a:graphic>
+      </p:graphicFrame>
+    </p:spTree>
+    <p:extLst>
+      <p:ext uri="{BB962C8B-B14F-4D97-AF65-F5344CB8AC3E}">
+        <p14:creationId xmlns:p14="http://schemas.microsoft.com/office/powerpoint/2010/main" val="151322196"/>
       </p:ext>
     </p:extLst>
   </p:cSld>
